--- a/02 SDLC fazlari we waterfall metodology.pptx
+++ b/02 SDLC fazlari we waterfall metodology.pptx
@@ -4513,7 +4513,7 @@
           </a:ln>
           <a:extLst>
             <a:ext uri="{C572A759-6A51-4108-AA02-DFA0A04FC94B}">
-              <ma14:wrappingTextBoxFlag xmlns="" xmlns:m="http://schemas.openxmlformats.org/officeDocument/2006/math" xmlns:a14="http://schemas.microsoft.com/office/drawing/2010/main" xmlns:ma14="http://schemas.microsoft.com/office/mac/drawingml/2011/main" val="1"/>
+              <ma14:wrappingTextBoxFlag xmlns:ma14="http://schemas.microsoft.com/office/mac/drawingml/2011/main" xmlns:a14="http://schemas.microsoft.com/office/drawing/2010/main" xmlns:m="http://schemas.openxmlformats.org/officeDocument/2006/math" xmlns="" val="1"/>
             </a:ext>
           </a:extLst>
         </p:spPr>
@@ -4552,7 +4552,7 @@
           </a:ln>
           <a:extLst>
             <a:ext uri="{C572A759-6A51-4108-AA02-DFA0A04FC94B}">
-              <ma14:wrappingTextBoxFlag xmlns="" xmlns:m="http://schemas.openxmlformats.org/officeDocument/2006/math" xmlns:a14="http://schemas.microsoft.com/office/drawing/2010/main" xmlns:ma14="http://schemas.microsoft.com/office/mac/drawingml/2011/main" val="1"/>
+              <ma14:wrappingTextBoxFlag xmlns:ma14="http://schemas.microsoft.com/office/mac/drawingml/2011/main" xmlns:a14="http://schemas.microsoft.com/office/drawing/2010/main" xmlns:m="http://schemas.openxmlformats.org/officeDocument/2006/math" xmlns="" val="1"/>
             </a:ext>
           </a:extLst>
         </p:spPr>
@@ -7151,16 +7151,7 @@
                 </a:solidFill>
                 <a:latin typeface="JetBrains Mono"/>
               </a:rPr>
-              <a:t>. Sayfayi </a:t>
-            </a:r>
-            <a:r>
-              <a:rPr lang="tr-TR" altLang="tr-TR" sz="4400" i="1" noProof="1" smtClean="0">
-                <a:solidFill>
-                  <a:schemeClr val="tx1"/>
-                </a:solidFill>
-                <a:latin typeface="JetBrains Mono"/>
-              </a:rPr>
-              <a:t>kapatin</a:t>
+              <a:t>. Sayfayi kapatin</a:t>
             </a:r>
             <a:r>
               <a:rPr lang="en-US" altLang="tr-TR" sz="4400" i="1" noProof="1" smtClean="0">
@@ -7969,7 +7960,7 @@
           </a:ln>
           <a:extLst>
             <a:ext uri="{C572A759-6A51-4108-AA02-DFA0A04FC94B}">
-              <ma14:wrappingTextBoxFlag xmlns="" xmlns:m="http://schemas.openxmlformats.org/officeDocument/2006/math" xmlns:a14="http://schemas.microsoft.com/office/drawing/2010/main" xmlns:ma14="http://schemas.microsoft.com/office/mac/drawingml/2011/main" val="1"/>
+              <ma14:wrappingTextBoxFlag xmlns:ma14="http://schemas.microsoft.com/office/mac/drawingml/2011/main" xmlns:a14="http://schemas.microsoft.com/office/drawing/2010/main" xmlns:m="http://schemas.openxmlformats.org/officeDocument/2006/math" xmlns="" val="1"/>
             </a:ext>
           </a:extLst>
         </p:spPr>
@@ -8279,7 +8270,7 @@
               <a:t> Bu </a:t>
             </a:r>
             <a:r>
-              <a:rPr lang="en-US" sz="4400" b="0" dirty="0" err="1" smtClean="0"/>
+              <a:rPr lang="en-US" sz="4400" b="0" noProof="1" smtClean="0"/>
               <a:t>asamaya</a:t>
             </a:r>
             <a:r>
@@ -8364,12 +8355,16 @@
               <a:t>Tasarım ekibine; bu analize istinaden sistemin nasıl tasarlanacağına </a:t>
             </a:r>
             <a:r>
-              <a:rPr lang="tr-TR" sz="4400" b="0" dirty="0" err="1"/>
+              <a:rPr lang="tr-TR" sz="4400" b="0" noProof="1" smtClean="0"/>
               <a:t>yardmcı</a:t>
             </a:r>
             <a:r>
+              <a:rPr lang="tr-TR" sz="4400" b="0" dirty="0" smtClean="0"/>
+              <a:t> </a:t>
+            </a:r>
+            <a:r>
               <a:rPr lang="tr-TR" sz="4400" b="0" dirty="0"/>
-              <a:t> olur,</a:t>
+              <a:t>olur,</a:t>
             </a:r>
           </a:p>
           <a:p>
@@ -8383,20 +8378,16 @@
               <a:t>Test ekibine; bu analizlere istinaden hangi test </a:t>
             </a:r>
             <a:r>
-              <a:rPr lang="tr-TR" sz="4400" b="0" dirty="0" err="1"/>
-              <a:t>case</a:t>
+              <a:rPr lang="tr-TR" sz="4400" b="0" noProof="1" smtClean="0"/>
+              <a:t>case lerinin </a:t>
+            </a:r>
+            <a:r>
+              <a:rPr lang="tr-TR" sz="4400" b="0" dirty="0" smtClean="0"/>
+              <a:t>koşulacağına </a:t>
             </a:r>
             <a:r>
               <a:rPr lang="tr-TR" sz="4400" b="0" dirty="0"/>
-              <a:t> </a:t>
-            </a:r>
-            <a:r>
-              <a:rPr lang="tr-TR" sz="4400" b="0" dirty="0" err="1"/>
-              <a:t>lerinin</a:t>
-            </a:r>
-            <a:r>
-              <a:rPr lang="tr-TR" sz="4400" b="0" dirty="0"/>
-              <a:t> koşulacağına yardımcı olur</a:t>
+              <a:t>yardımcı olur</a:t>
             </a:r>
             <a:r>
               <a:rPr lang="tr-TR" sz="4400" b="0" dirty="0" smtClean="0"/>
@@ -8513,7 +8504,7 @@
           </a:ln>
           <a:extLst>
             <a:ext uri="{C572A759-6A51-4108-AA02-DFA0A04FC94B}">
-              <ma14:wrappingTextBoxFlag xmlns="" xmlns:m="http://schemas.openxmlformats.org/officeDocument/2006/math" xmlns:a14="http://schemas.microsoft.com/office/drawing/2010/main" xmlns:ma14="http://schemas.microsoft.com/office/mac/drawingml/2011/main" val="1"/>
+              <ma14:wrappingTextBoxFlag xmlns:ma14="http://schemas.microsoft.com/office/mac/drawingml/2011/main" xmlns:a14="http://schemas.microsoft.com/office/drawing/2010/main" xmlns:m="http://schemas.openxmlformats.org/officeDocument/2006/math" xmlns="" val="1"/>
             </a:ext>
           </a:extLst>
         </p:spPr>
@@ -9086,7 +9077,7 @@
           </a:ln>
           <a:extLst>
             <a:ext uri="{C572A759-6A51-4108-AA02-DFA0A04FC94B}">
-              <ma14:wrappingTextBoxFlag xmlns="" xmlns:m="http://schemas.openxmlformats.org/officeDocument/2006/math" xmlns:a14="http://schemas.microsoft.com/office/drawing/2010/main" xmlns:ma14="http://schemas.microsoft.com/office/mac/drawingml/2011/main" val="1"/>
+              <ma14:wrappingTextBoxFlag xmlns:ma14="http://schemas.microsoft.com/office/mac/drawingml/2011/main" xmlns:a14="http://schemas.microsoft.com/office/drawing/2010/main" xmlns:m="http://schemas.openxmlformats.org/officeDocument/2006/math" xmlns="" val="1"/>
             </a:ext>
           </a:extLst>
         </p:spPr>
@@ -11063,21 +11054,8 @@
                   <a:srgbClr val="C00000"/>
                 </a:solidFill>
               </a:rPr>
-              <a:t> APPLICATION KONUSU : </a:t>
-            </a:r>
-            <a:r>
-              <a:rPr lang="en-US" sz="4400" noProof="1" smtClean="0">
-                <a:solidFill>
-                  <a:srgbClr val="C00000"/>
-                </a:solidFill>
-              </a:rPr>
-              <a:t>egitim</a:t>
-            </a:r>
-            <a:endParaRPr lang="en-US" sz="4400" noProof="1" smtClean="0">
-              <a:solidFill>
-                <a:srgbClr val="C00000"/>
-              </a:solidFill>
-            </a:endParaRPr>
+              <a:t> APPLICATION KONUSU : egitim</a:t>
+            </a:r>
           </a:p>
           <a:p>
             <a:pPr algn="l"/>
@@ -11095,21 +11073,8 @@
                   <a:srgbClr val="C00000"/>
                 </a:solidFill>
               </a:rPr>
-              <a:t>1) </a:t>
-            </a:r>
-            <a:r>
-              <a:rPr lang="en-US" sz="4400" noProof="1" smtClean="0">
-                <a:solidFill>
-                  <a:srgbClr val="C00000"/>
-                </a:solidFill>
-              </a:rPr>
-              <a:t>Her insane ulasabilecek bir egitim</a:t>
-            </a:r>
-            <a:endParaRPr lang="en-US" sz="4400" noProof="1" smtClean="0">
-              <a:solidFill>
-                <a:srgbClr val="C00000"/>
-              </a:solidFill>
-            </a:endParaRPr>
+              <a:t>1) Her insane ulasabilecek bir egitim</a:t>
+            </a:r>
           </a:p>
           <a:p>
             <a:pPr algn="l"/>
@@ -11127,21 +11092,8 @@
                   <a:srgbClr val="C00000"/>
                 </a:solidFill>
               </a:rPr>
-              <a:t>2) </a:t>
-            </a:r>
-            <a:r>
-              <a:rPr lang="en-US" sz="4400" noProof="1" smtClean="0">
-                <a:solidFill>
-                  <a:srgbClr val="C00000"/>
-                </a:solidFill>
-              </a:rPr>
-              <a:t>Ogrenme garantisi</a:t>
-            </a:r>
-            <a:endParaRPr lang="en-US" sz="4400" noProof="1" smtClean="0">
-              <a:solidFill>
-                <a:srgbClr val="C00000"/>
-              </a:solidFill>
-            </a:endParaRPr>
+              <a:t>2) Ogrenme garantisi</a:t>
+            </a:r>
           </a:p>
           <a:p>
             <a:pPr algn="l"/>
@@ -11159,21 +11111,8 @@
                   <a:srgbClr val="C00000"/>
                 </a:solidFill>
               </a:rPr>
-              <a:t>3) </a:t>
-            </a:r>
-            <a:r>
-              <a:rPr lang="en-US" sz="4400" noProof="1" smtClean="0">
-                <a:solidFill>
-                  <a:srgbClr val="C00000"/>
-                </a:solidFill>
-              </a:rPr>
-              <a:t>Universite kazanma garantisi</a:t>
-            </a:r>
-            <a:endParaRPr lang="en-US" sz="4400" noProof="1" smtClean="0">
-              <a:solidFill>
-                <a:srgbClr val="C00000"/>
-              </a:solidFill>
-            </a:endParaRPr>
+              <a:t>3) Universite kazanma garantisi</a:t>
+            </a:r>
           </a:p>
           <a:p>
             <a:pPr algn="l"/>
@@ -11191,21 +11130,8 @@
                   <a:srgbClr val="C00000"/>
                 </a:solidFill>
               </a:rPr>
-              <a:t>4) </a:t>
-            </a:r>
-            <a:r>
-              <a:rPr lang="en-US" sz="4400" noProof="1" smtClean="0">
-                <a:solidFill>
-                  <a:srgbClr val="C00000"/>
-                </a:solidFill>
-              </a:rPr>
-              <a:t>Sadece okul derslerinde degil sosyal alanda da basari, uluslararasi dolasima uygun bir egitim </a:t>
-            </a:r>
-            <a:endParaRPr lang="en-US" sz="4400" noProof="1" smtClean="0">
-              <a:solidFill>
-                <a:srgbClr val="C00000"/>
-              </a:solidFill>
-            </a:endParaRPr>
+              <a:t>4) Sadece okul derslerinde degil sosyal alanda da basari, uluslararasi dolasima uygun bir egitim </a:t>
+            </a:r>
           </a:p>
         </p:txBody>
       </p:sp>
@@ -11625,15 +11551,7 @@
                   <a:srgbClr val="C00000"/>
                 </a:solidFill>
               </a:rPr>
-              <a:t>ulasabilecek </a:t>
-            </a:r>
-            <a:r>
-              <a:rPr lang="en-US" sz="4400" noProof="1">
-                <a:solidFill>
-                  <a:srgbClr val="C00000"/>
-                </a:solidFill>
-              </a:rPr>
-              <a:t>bir </a:t>
+              <a:t>ulasabilecek bir </a:t>
             </a:r>
             <a:r>
               <a:rPr lang="en-US" sz="4400" noProof="1" smtClean="0">
